--- a/django_ppt/blog_ppt/2장. blog 회원 관리.pptx
+++ b/django_ppt/blog_ppt/2장. blog 회원 관리.pptx
@@ -136,7 +136,7 @@
   </p:defaultTextStyle>
   <p:extLst>
     <p:ext uri="{EFAFB233-063F-42B5-8137-9DF3F51BA10A}">
-      <p15:sldGuideLst xmlns="" xmlns:p15="http://schemas.microsoft.com/office/powerpoint/2012/main">
+      <p15:sldGuideLst xmlns:p15="http://schemas.microsoft.com/office/powerpoint/2012/main">
         <p15:guide id="1" orient="horz" pos="2160">
           <p15:clr>
             <a:srgbClr val="A4A3A4"/>
@@ -235,7 +235,7 @@
           <a:p>
             <a:fld id="{7665CDAC-D627-4E87-877A-1B781DD4CADC}" type="datetimeFigureOut">
               <a:rPr lang="ko-KR" altLang="en-US" smtClean="0"/>
-              <a:t>2022-03-12</a:t>
+              <a:t>2023-06-23</a:t>
             </a:fld>
             <a:endParaRPr lang="ko-KR" altLang="en-US"/>
           </a:p>
@@ -647,7 +647,7 @@
           <a:p>
             <a:fld id="{C25BCFD5-C4DF-4EBC-B718-C69ED2FBDE6F}" type="datetime1">
               <a:rPr lang="ko-KR" altLang="en-US" smtClean="0"/>
-              <a:t>2022-03-12</a:t>
+              <a:t>2023-06-23</a:t>
             </a:fld>
             <a:endParaRPr lang="ko-KR" altLang="en-US"/>
           </a:p>
@@ -700,7 +700,7 @@
           <p:cNvPr id="9" name="직각 삼각형 2">
             <a:extLst>
               <a:ext uri="{FF2B5EF4-FFF2-40B4-BE49-F238E27FC236}">
-                <a16:creationId xmlns:a16="http://schemas.microsoft.com/office/drawing/2014/main" xmlns="" id="{3A714731-6D03-4E18-B8C6-D8E1F4F17412}"/>
+                <a16:creationId xmlns:a16="http://schemas.microsoft.com/office/drawing/2014/main" id="{3A714731-6D03-4E18-B8C6-D8E1F4F17412}"/>
               </a:ext>
             </a:extLst>
           </p:cNvPr>
@@ -816,7 +816,7 @@
           <p:cNvPr id="3" name="직각 삼각형 2">
             <a:extLst>
               <a:ext uri="{FF2B5EF4-FFF2-40B4-BE49-F238E27FC236}">
-                <a16:creationId xmlns:a16="http://schemas.microsoft.com/office/drawing/2014/main" xmlns="" id="{DF1B6BC0-8338-40DD-BF30-626E17AD387E}"/>
+                <a16:creationId xmlns:a16="http://schemas.microsoft.com/office/drawing/2014/main" id="{DF1B6BC0-8338-40DD-BF30-626E17AD387E}"/>
               </a:ext>
             </a:extLst>
           </p:cNvPr>
@@ -929,7 +929,7 @@
           <p:cNvPr id="2050" name="Picture 2" descr="íì´ì¬ â¢">
             <a:extLst>
               <a:ext uri="{FF2B5EF4-FFF2-40B4-BE49-F238E27FC236}">
-                <a16:creationId xmlns:a16="http://schemas.microsoft.com/office/drawing/2014/main" xmlns="" id="{8B696DBA-70BE-4EBC-8628-59B49C89E0D4}"/>
+                <a16:creationId xmlns:a16="http://schemas.microsoft.com/office/drawing/2014/main" id="{8B696DBA-70BE-4EBC-8628-59B49C89E0D4}"/>
               </a:ext>
             </a:extLst>
           </p:cNvPr>
@@ -1098,7 +1098,7 @@
           <a:p>
             <a:fld id="{AB448CD7-D367-43D5-B461-ACE552E75063}" type="datetime1">
               <a:rPr lang="ko-KR" altLang="en-US" smtClean="0"/>
-              <a:t>2022-03-12</a:t>
+              <a:t>2023-06-23</a:t>
             </a:fld>
             <a:endParaRPr lang="ko-KR" altLang="en-US"/>
           </a:p>
@@ -1276,7 +1276,7 @@
           <a:p>
             <a:fld id="{B6E49E79-7361-4780-8BEF-7EDE3708298A}" type="datetime1">
               <a:rPr lang="ko-KR" altLang="en-US" smtClean="0"/>
-              <a:t>2022-03-12</a:t>
+              <a:t>2023-06-23</a:t>
             </a:fld>
             <a:endParaRPr lang="ko-KR" altLang="en-US"/>
           </a:p>
@@ -1448,7 +1448,7 @@
           <a:p>
             <a:fld id="{A4D42E3C-B70B-437C-85CF-1286301B9CBA}" type="datetime1">
               <a:rPr lang="ko-KR" altLang="en-US" smtClean="0"/>
-              <a:t>2022-03-12</a:t>
+              <a:t>2023-06-23</a:t>
             </a:fld>
             <a:endParaRPr lang="ko-KR" altLang="en-US"/>
           </a:p>
@@ -1700,7 +1700,7 @@
           <a:p>
             <a:fld id="{B3369A20-5B3D-4D98-A822-26B93D177A40}" type="datetime1">
               <a:rPr lang="ko-KR" altLang="en-US" smtClean="0"/>
-              <a:t>2022-03-12</a:t>
+              <a:t>2023-06-23</a:t>
             </a:fld>
             <a:endParaRPr lang="ko-KR" altLang="en-US"/>
           </a:p>
@@ -1985,7 +1985,7 @@
           <a:p>
             <a:fld id="{685CD4CE-9E43-4F70-A9D8-A2130CA7D92A}" type="datetime1">
               <a:rPr lang="ko-KR" altLang="en-US" smtClean="0"/>
-              <a:t>2022-03-12</a:t>
+              <a:t>2023-06-23</a:t>
             </a:fld>
             <a:endParaRPr lang="ko-KR" altLang="en-US"/>
           </a:p>
@@ -2411,7 +2411,7 @@
           <a:p>
             <a:fld id="{F752BD92-DA3E-4A0B-90C9-7DE5E15B6E96}" type="datetime1">
               <a:rPr lang="ko-KR" altLang="en-US" smtClean="0"/>
-              <a:t>2022-03-12</a:t>
+              <a:t>2023-06-23</a:t>
             </a:fld>
             <a:endParaRPr lang="ko-KR" altLang="en-US"/>
           </a:p>
@@ -2535,7 +2535,7 @@
           <a:p>
             <a:fld id="{8EA2B83A-F366-424E-B742-340ACF856BB5}" type="datetime1">
               <a:rPr lang="ko-KR" altLang="en-US" smtClean="0"/>
-              <a:t>2022-03-12</a:t>
+              <a:t>2023-06-23</a:t>
             </a:fld>
             <a:endParaRPr lang="ko-KR" altLang="en-US"/>
           </a:p>
@@ -2630,7 +2630,7 @@
           <a:p>
             <a:fld id="{9A49D68B-5DBD-48E9-A8D4-FCBC4B3DD9C6}" type="datetime1">
               <a:rPr lang="ko-KR" altLang="en-US" smtClean="0"/>
-              <a:t>2022-03-12</a:t>
+              <a:t>2023-06-23</a:t>
             </a:fld>
             <a:endParaRPr lang="ko-KR" altLang="en-US"/>
           </a:p>
@@ -2905,7 +2905,7 @@
           <a:p>
             <a:fld id="{4CAB534F-7D16-467B-9320-91F98915D181}" type="datetime1">
               <a:rPr lang="ko-KR" altLang="en-US" smtClean="0"/>
-              <a:t>2022-03-12</a:t>
+              <a:t>2023-06-23</a:t>
             </a:fld>
             <a:endParaRPr lang="ko-KR" altLang="en-US"/>
           </a:p>
@@ -3157,7 +3157,7 @@
           <a:p>
             <a:fld id="{A390A91F-2F8D-4486-A69D-D680F95444B0}" type="datetime1">
               <a:rPr lang="ko-KR" altLang="en-US" smtClean="0"/>
-              <a:t>2022-03-12</a:t>
+              <a:t>2023-06-23</a:t>
             </a:fld>
             <a:endParaRPr lang="ko-KR" altLang="en-US"/>
           </a:p>
@@ -3336,7 +3336,7 @@
           <a:p>
             <a:fld id="{2238BBEA-E8DD-414A-BF68-FC2AFA7CFF2D}" type="datetime1">
               <a:rPr lang="ko-KR" altLang="en-US" smtClean="0"/>
-              <a:t>2022-03-12</a:t>
+              <a:t>2023-06-23</a:t>
             </a:fld>
             <a:endParaRPr lang="ko-KR" altLang="en-US"/>
           </a:p>
@@ -5659,11 +5659,7 @@
             </a:r>
             <a:r>
               <a:rPr lang="ko-KR" altLang="en-US" dirty="0" smtClean="0"/>
-              <a:t>표준 템플릿 만들기</a:t>
-            </a:r>
-            <a:r>
-              <a:rPr lang="ko-KR" altLang="en-US" dirty="0" smtClean="0"/>
-              <a:t> </a:t>
+              <a:t>표준 템플릿 만들기 </a:t>
             </a:r>
             <a:endParaRPr lang="ko-KR" altLang="en-US" dirty="0"/>
           </a:p>
@@ -5723,19 +5719,11 @@
             </a:pPr>
             <a:r>
               <a:rPr lang="ko-KR" altLang="en-US" dirty="0" smtClean="0"/>
-              <a:t>표준 템플릿 </a:t>
-            </a:r>
-            <a:r>
-              <a:rPr lang="ko-KR" altLang="en-US" dirty="0" smtClean="0"/>
-              <a:t>만들기 </a:t>
+              <a:t>표준 템플릿 만들기 </a:t>
             </a:r>
             <a:r>
               <a:rPr lang="en-US" altLang="ko-KR" dirty="0" smtClean="0"/>
-              <a:t>– </a:t>
-            </a:r>
-            <a:r>
-              <a:rPr lang="en-US" altLang="ko-KR" dirty="0" smtClean="0"/>
-              <a:t>base.html</a:t>
+              <a:t>– base.html</a:t>
             </a:r>
             <a:r>
               <a:rPr lang="ko-KR" altLang="en-US" dirty="0" smtClean="0"/>
@@ -5947,23 +5935,11 @@
             </a:r>
             <a:r>
               <a:rPr lang="ko-KR" altLang="en-US" dirty="0" smtClean="0"/>
-              <a:t> 파일</a:t>
-            </a:r>
-            <a:r>
-              <a:rPr lang="ko-KR" altLang="en-US" dirty="0" smtClean="0"/>
-              <a:t> </a:t>
+              <a:t> 파일 </a:t>
             </a:r>
             <a:r>
               <a:rPr lang="en-US" altLang="ko-KR" dirty="0" smtClean="0"/>
-              <a:t>– </a:t>
-            </a:r>
-            <a:r>
-              <a:rPr lang="en-US" altLang="ko-KR" dirty="0" smtClean="0"/>
-              <a:t>navbar</a:t>
-            </a:r>
-            <a:r>
-              <a:rPr lang="en-US" altLang="ko-KR" dirty="0" smtClean="0"/>
-              <a:t>.html</a:t>
+              <a:t>– navbar.html</a:t>
             </a:r>
             <a:r>
               <a:rPr lang="ko-KR" altLang="en-US" dirty="0" smtClean="0"/>
@@ -6134,11 +6110,7 @@
             </a:pPr>
             <a:r>
               <a:rPr lang="en-US" altLang="ko-KR" dirty="0" smtClean="0"/>
-              <a:t>{%  extends ‘base</a:t>
-            </a:r>
-            <a:r>
-              <a:rPr lang="en-US" altLang="ko-KR" dirty="0" smtClean="0"/>
-              <a:t>.html’ %}  - </a:t>
+              <a:t>{%  extends ‘base.html’ %}  - </a:t>
             </a:r>
             <a:r>
               <a:rPr lang="ko-KR" altLang="en-US" dirty="0" smtClean="0"/>
@@ -6732,7 +6704,7 @@
                 <a:ea typeface="Ebrima" panose="02000000000000000000" pitchFamily="2" charset="0"/>
                 <a:cs typeface="Ebrima" panose="02000000000000000000" pitchFamily="2" charset="0"/>
               </a:rPr>
-              <a:t>mysite</a:t>
+              <a:t>myvenv</a:t>
             </a:r>
             <a:r>
               <a:rPr lang="en-US" altLang="ko-KR" dirty="0" smtClean="0">
@@ -6740,7 +6712,7 @@
                 <a:ea typeface="Ebrima" panose="02000000000000000000" pitchFamily="2" charset="0"/>
                 <a:cs typeface="Ebrima" panose="02000000000000000000" pitchFamily="2" charset="0"/>
               </a:rPr>
-              <a:t>)</a:t>
+              <a:t>) </a:t>
             </a:r>
             <a:r>
               <a:rPr lang="en-US" altLang="ko-KR" dirty="0">
@@ -6748,7 +6720,31 @@
                 <a:ea typeface="Ebrima" panose="02000000000000000000" pitchFamily="2" charset="0"/>
                 <a:cs typeface="Ebrima" panose="02000000000000000000" pitchFamily="2" charset="0"/>
               </a:rPr>
-              <a:t> &gt; C:\webproject\myblog&gt;python </a:t>
+              <a:t>&gt; C</a:t>
+            </a:r>
+            <a:r>
+              <a:rPr lang="en-US" altLang="ko-KR" dirty="0" smtClean="0">
+                <a:latin typeface="Ebrima" panose="02000000000000000000" pitchFamily="2" charset="0"/>
+                <a:ea typeface="Ebrima" panose="02000000000000000000" pitchFamily="2" charset="0"/>
+                <a:cs typeface="Ebrima" panose="02000000000000000000" pitchFamily="2" charset="0"/>
+              </a:rPr>
+              <a:t>:\</a:t>
+            </a:r>
+            <a:r>
+              <a:rPr lang="en-US" altLang="ko-KR" dirty="0" smtClean="0">
+                <a:latin typeface="Ebrima" panose="02000000000000000000" pitchFamily="2" charset="0"/>
+                <a:ea typeface="Ebrima" panose="02000000000000000000" pitchFamily="2" charset="0"/>
+                <a:cs typeface="Ebrima" panose="02000000000000000000" pitchFamily="2" charset="0"/>
+              </a:rPr>
+              <a:t>mypyweb</a:t>
+            </a:r>
+            <a:r>
+              <a:rPr lang="en-US" altLang="ko-KR" dirty="0" smtClean="0">
+                <a:latin typeface="Ebrima" panose="02000000000000000000" pitchFamily="2" charset="0"/>
+                <a:ea typeface="Ebrima" panose="02000000000000000000" pitchFamily="2" charset="0"/>
+                <a:cs typeface="Ebrima" panose="02000000000000000000" pitchFamily="2" charset="0"/>
+              </a:rPr>
+              <a:t>\blogs&gt;python </a:t>
             </a:r>
             <a:r>
               <a:rPr lang="en-US" altLang="ko-KR" dirty="0" smtClean="0">
@@ -10141,7 +10137,7 @@
       </p:sp>
       <p:pic>
         <p:nvPicPr>
-          <p:cNvPr id="6" name="그림 5"/>
+          <p:cNvPr id="3" name="그림 2"/>
           <p:cNvPicPr>
             <a:picLocks noChangeAspect="1"/>
           </p:cNvPicPr>
@@ -10161,8 +10157,8 @@
         </p:blipFill>
         <p:spPr>
           <a:xfrm>
-            <a:off x="1424607" y="2132856"/>
-            <a:ext cx="4483645" cy="2520280"/>
+            <a:off x="6315811" y="2129814"/>
+            <a:ext cx="2499577" cy="2773921"/>
           </a:xfrm>
           <a:prstGeom prst="rect">
             <a:avLst/>
@@ -10178,7 +10174,7 @@
       </p:pic>
       <p:pic>
         <p:nvPicPr>
-          <p:cNvPr id="3" name="그림 2"/>
+          <p:cNvPr id="5" name="그림 4"/>
           <p:cNvPicPr>
             <a:picLocks noChangeAspect="1"/>
           </p:cNvPicPr>
@@ -10198,8 +10194,8 @@
         </p:blipFill>
         <p:spPr>
           <a:xfrm>
-            <a:off x="6315811" y="2129814"/>
-            <a:ext cx="2499577" cy="2773921"/>
+            <a:off x="1424608" y="2060848"/>
+            <a:ext cx="4360915" cy="4192189"/>
           </a:xfrm>
           <a:prstGeom prst="rect">
             <a:avLst/>
